--- a/images/theory_analysis/Linux_FUSE/Linux_Fuse.pptx
+++ b/images/theory_analysis/Linux_FUSE/Linux_Fuse.pptx
@@ -110,7 +110,7 @@
   </p:defaultTextStyle>
   <p:extLst>
     <p:ext uri="{EFAFB233-063F-42B5-8137-9DF3F51BA10A}">
-      <p15:sldGuideLst xmlns="" xmlns:p15="http://schemas.microsoft.com/office/powerpoint/2012/main">
+      <p15:sldGuideLst xmlns:p15="http://schemas.microsoft.com/office/powerpoint/2012/main" xmlns="">
         <p15:guide id="1" orient="horz" pos="2160">
           <p15:clr>
             <a:srgbClr val="A4A3A4"/>
@@ -214,7 +214,7 @@
           <a:p>
             <a:fld id="{6CD5550B-26C4-49A9-A5BA-636EF7BE6CE9}" type="datetimeFigureOut">
               <a:rPr lang="ko-KR" altLang="en-US" smtClean="0"/>
-              <a:t>2017-08-22</a:t>
+              <a:t>2017-08-24</a:t>
             </a:fld>
             <a:endParaRPr lang="ko-KR" altLang="en-US"/>
           </a:p>
@@ -831,7 +831,7 @@
           <a:p>
             <a:fld id="{FB30EDBD-1C2D-4C1E-B459-B60219FAB484}" type="datetimeFigureOut">
               <a:rPr lang="ko-KR" altLang="en-US" smtClean="0"/>
-              <a:t>2017-08-22</a:t>
+              <a:t>2017-08-24</a:t>
             </a:fld>
             <a:endParaRPr lang="ko-KR" altLang="en-US"/>
           </a:p>
@@ -996,7 +996,7 @@
           <a:p>
             <a:fld id="{FB30EDBD-1C2D-4C1E-B459-B60219FAB484}" type="datetimeFigureOut">
               <a:rPr lang="ko-KR" altLang="en-US" smtClean="0"/>
-              <a:t>2017-08-22</a:t>
+              <a:t>2017-08-24</a:t>
             </a:fld>
             <a:endParaRPr lang="ko-KR" altLang="en-US"/>
           </a:p>
@@ -1171,7 +1171,7 @@
           <a:p>
             <a:fld id="{FB30EDBD-1C2D-4C1E-B459-B60219FAB484}" type="datetimeFigureOut">
               <a:rPr lang="ko-KR" altLang="en-US" smtClean="0"/>
-              <a:t>2017-08-22</a:t>
+              <a:t>2017-08-24</a:t>
             </a:fld>
             <a:endParaRPr lang="ko-KR" altLang="en-US"/>
           </a:p>
@@ -1336,7 +1336,7 @@
           <a:p>
             <a:fld id="{FB30EDBD-1C2D-4C1E-B459-B60219FAB484}" type="datetimeFigureOut">
               <a:rPr lang="ko-KR" altLang="en-US" smtClean="0"/>
-              <a:t>2017-08-22</a:t>
+              <a:t>2017-08-24</a:t>
             </a:fld>
             <a:endParaRPr lang="ko-KR" altLang="en-US"/>
           </a:p>
@@ -1584,7 +1584,7 @@
           <a:p>
             <a:fld id="{FB30EDBD-1C2D-4C1E-B459-B60219FAB484}" type="datetimeFigureOut">
               <a:rPr lang="ko-KR" altLang="en-US" smtClean="0"/>
-              <a:t>2017-08-22</a:t>
+              <a:t>2017-08-24</a:t>
             </a:fld>
             <a:endParaRPr lang="ko-KR" altLang="en-US"/>
           </a:p>
@@ -1867,7 +1867,7 @@
           <a:p>
             <a:fld id="{FB30EDBD-1C2D-4C1E-B459-B60219FAB484}" type="datetimeFigureOut">
               <a:rPr lang="ko-KR" altLang="en-US" smtClean="0"/>
-              <a:t>2017-08-22</a:t>
+              <a:t>2017-08-24</a:t>
             </a:fld>
             <a:endParaRPr lang="ko-KR" altLang="en-US"/>
           </a:p>
@@ -2284,7 +2284,7 @@
           <a:p>
             <a:fld id="{FB30EDBD-1C2D-4C1E-B459-B60219FAB484}" type="datetimeFigureOut">
               <a:rPr lang="ko-KR" altLang="en-US" smtClean="0"/>
-              <a:t>2017-08-22</a:t>
+              <a:t>2017-08-24</a:t>
             </a:fld>
             <a:endParaRPr lang="ko-KR" altLang="en-US"/>
           </a:p>
@@ -2397,7 +2397,7 @@
           <a:p>
             <a:fld id="{FB30EDBD-1C2D-4C1E-B459-B60219FAB484}" type="datetimeFigureOut">
               <a:rPr lang="ko-KR" altLang="en-US" smtClean="0"/>
-              <a:t>2017-08-22</a:t>
+              <a:t>2017-08-24</a:t>
             </a:fld>
             <a:endParaRPr lang="ko-KR" altLang="en-US"/>
           </a:p>
@@ -2487,7 +2487,7 @@
           <a:p>
             <a:fld id="{FB30EDBD-1C2D-4C1E-B459-B60219FAB484}" type="datetimeFigureOut">
               <a:rPr lang="ko-KR" altLang="en-US" smtClean="0"/>
-              <a:t>2017-08-22</a:t>
+              <a:t>2017-08-24</a:t>
             </a:fld>
             <a:endParaRPr lang="ko-KR" altLang="en-US"/>
           </a:p>
@@ -2759,7 +2759,7 @@
           <a:p>
             <a:fld id="{FB30EDBD-1C2D-4C1E-B459-B60219FAB484}" type="datetimeFigureOut">
               <a:rPr lang="ko-KR" altLang="en-US" smtClean="0"/>
-              <a:t>2017-08-22</a:t>
+              <a:t>2017-08-24</a:t>
             </a:fld>
             <a:endParaRPr lang="ko-KR" altLang="en-US"/>
           </a:p>
@@ -3007,7 +3007,7 @@
           <a:p>
             <a:fld id="{FB30EDBD-1C2D-4C1E-B459-B60219FAB484}" type="datetimeFigureOut">
               <a:rPr lang="ko-KR" altLang="en-US" smtClean="0"/>
-              <a:t>2017-08-22</a:t>
+              <a:t>2017-08-24</a:t>
             </a:fld>
             <a:endParaRPr lang="ko-KR" altLang="en-US"/>
           </a:p>
@@ -3215,7 +3215,7 @@
           <a:p>
             <a:fld id="{FB30EDBD-1C2D-4C1E-B459-B60219FAB484}" type="datetimeFigureOut">
               <a:rPr lang="ko-KR" altLang="en-US" smtClean="0"/>
-              <a:t>2017-08-22</a:t>
+              <a:t>2017-08-24</a:t>
             </a:fld>
             <a:endParaRPr lang="ko-KR" altLang="en-US"/>
           </a:p>
@@ -4705,15 +4705,7 @@
           <a:p>
             <a:r>
               <a:rPr lang="en-US" altLang="ko-KR" sz="1400" dirty="0" smtClean="0"/>
-              <a:t>- </a:t>
-            </a:r>
-            <a:r>
-              <a:rPr lang="en-US" altLang="ko-KR" sz="1400" dirty="0" smtClean="0"/>
-              <a:t>Wait Request (</a:t>
-            </a:r>
-            <a:r>
-              <a:rPr lang="en-US" altLang="ko-KR" sz="1400" dirty="0" smtClean="0"/>
-              <a:t>Blocked)</a:t>
+              <a:t>- Wait Request (Blocked)</a:t>
             </a:r>
             <a:endParaRPr lang="ko-KR" altLang="en-US" sz="1400" dirty="0"/>
           </a:p>
@@ -4845,7 +4837,15 @@
             <a:pPr algn="r"/>
             <a:r>
               <a:rPr lang="en-US" altLang="ko-KR" sz="1400" dirty="0" smtClean="0"/>
-              <a:t>Send Request </a:t>
+              <a:t>Call </a:t>
+            </a:r>
+            <a:r>
+              <a:rPr lang="en-US" altLang="ko-KR" sz="1400" dirty="0" smtClean="0"/>
+              <a:t>System Call (Blocked)</a:t>
+            </a:r>
+            <a:r>
+              <a:rPr lang="en-US" altLang="ko-KR" sz="1400" dirty="0" smtClean="0"/>
+              <a:t> </a:t>
             </a:r>
             <a:endParaRPr lang="ko-KR" altLang="en-US" sz="1400" dirty="0"/>
           </a:p>
@@ -4957,11 +4957,7 @@
           <a:p>
             <a:r>
               <a:rPr lang="en-US" altLang="ko-KR" sz="1400" dirty="0" smtClean="0"/>
-              <a:t>- Send</a:t>
-            </a:r>
-            <a:r>
-              <a:rPr lang="en-US" altLang="ko-KR" sz="1400" dirty="0" smtClean="0"/>
-              <a:t> Result </a:t>
+              <a:t>- Send Result </a:t>
             </a:r>
             <a:endParaRPr lang="ko-KR" altLang="en-US" sz="1400" dirty="0"/>
           </a:p>
@@ -5009,7 +5005,7 @@
             <a:pPr algn="r"/>
             <a:r>
               <a:rPr lang="en-US" altLang="ko-KR" sz="1400" dirty="0" smtClean="0"/>
-              <a:t>Receive Request </a:t>
+              <a:t>Return System Call</a:t>
             </a:r>
             <a:endParaRPr lang="ko-KR" altLang="en-US" sz="1400" dirty="0"/>
           </a:p>
@@ -5070,15 +5066,7 @@
           <a:p>
             <a:r>
               <a:rPr lang="en-US" altLang="ko-KR" sz="1400" dirty="0" smtClean="0"/>
-              <a:t>- </a:t>
-            </a:r>
-            <a:r>
-              <a:rPr lang="en-US" altLang="ko-KR" sz="1400" dirty="0" smtClean="0"/>
-              <a:t>Wait Request (</a:t>
-            </a:r>
-            <a:r>
-              <a:rPr lang="en-US" altLang="ko-KR" sz="1400" dirty="0" smtClean="0"/>
-              <a:t>Blocked)</a:t>
+              <a:t>- Wait Request (Blocked)</a:t>
             </a:r>
             <a:endParaRPr lang="ko-KR" altLang="en-US" sz="1400" dirty="0"/>
           </a:p>
